--- a/PrezentacijaProjekata.pptx
+++ b/PrezentacijaProjekata.pptx
@@ -338,7 +338,7 @@
           <a:p>
             <a:fld id="{A57596D4-CB16-4BAD-83F6-7E8077D61F81}" type="datetimeFigureOut">
               <a:rPr lang="hr-HR" smtClean="0"/>
-              <a:t>12.1.2023.</a:t>
+              <a:t>12.01.2023.</a:t>
             </a:fld>
             <a:endParaRPr lang="hr-HR"/>
           </a:p>
@@ -628,7 +628,7 @@
           <p:cNvPr id="33" name="Right Triangle 32">
             <a:extLst>
               <a:ext uri="{FF2B5EF4-FFF2-40B4-BE49-F238E27FC236}">
-                <a16:creationId xmlns:a16="http://schemas.microsoft.com/office/drawing/2014/main" id="{2A737799-F072-47E1-A678-5CE12F097D06}"/>
+                <a16:creationId xmlns:a16="http://schemas.microsoft.com/office/drawing/2014/main" xmlns="" id="{2A737799-F072-47E1-A678-5CE12F097D06}"/>
               </a:ext>
             </a:extLst>
           </p:cNvPr>
@@ -717,7 +717,7 @@
           <p:cNvPr id="12" name="Group 11">
             <a:extLst>
               <a:ext uri="{FF2B5EF4-FFF2-40B4-BE49-F238E27FC236}">
-                <a16:creationId xmlns:a16="http://schemas.microsoft.com/office/drawing/2014/main" id="{A0A13A86-3F68-4CBB-B661-B96A001B15BE}"/>
+                <a16:creationId xmlns:a16="http://schemas.microsoft.com/office/drawing/2014/main" xmlns="" id="{A0A13A86-3F68-4CBB-B661-B96A001B15BE}"/>
               </a:ext>
             </a:extLst>
           </p:cNvPr>
@@ -737,7 +737,7 @@
             <p:cNvPr id="7" name="Rectangle 6">
               <a:extLst>
                 <a:ext uri="{FF2B5EF4-FFF2-40B4-BE49-F238E27FC236}">
-                  <a16:creationId xmlns:a16="http://schemas.microsoft.com/office/drawing/2014/main" id="{C22AA1C2-ED49-4B0D-9C5A-6D47DFC70771}"/>
+                  <a16:creationId xmlns:a16="http://schemas.microsoft.com/office/drawing/2014/main" xmlns="" id="{C22AA1C2-ED49-4B0D-9C5A-6D47DFC70771}"/>
                 </a:ext>
               </a:extLst>
             </p:cNvPr>
@@ -791,7 +791,7 @@
             <p:cNvPr id="9" name="Rectangle 8">
               <a:extLst>
                 <a:ext uri="{FF2B5EF4-FFF2-40B4-BE49-F238E27FC236}">
-                  <a16:creationId xmlns:a16="http://schemas.microsoft.com/office/drawing/2014/main" id="{64FC8746-DFC2-4DDF-B034-CED2ACE15704}"/>
+                  <a16:creationId xmlns:a16="http://schemas.microsoft.com/office/drawing/2014/main" xmlns="" id="{64FC8746-DFC2-4DDF-B034-CED2ACE15704}"/>
                 </a:ext>
               </a:extLst>
             </p:cNvPr>
@@ -845,7 +845,7 @@
             <p:cNvPr id="11" name="Rectangle 10">
               <a:extLst>
                 <a:ext uri="{FF2B5EF4-FFF2-40B4-BE49-F238E27FC236}">
-                  <a16:creationId xmlns:a16="http://schemas.microsoft.com/office/drawing/2014/main" id="{C94884E1-E6D8-48CB-B7A9-438FB51C78F5}"/>
+                  <a16:creationId xmlns:a16="http://schemas.microsoft.com/office/drawing/2014/main" xmlns="" id="{C94884E1-E6D8-48CB-B7A9-438FB51C78F5}"/>
                 </a:ext>
               </a:extLst>
             </p:cNvPr>
@@ -900,7 +900,7 @@
           <p:cNvPr id="14" name="Picture 13" descr="A close up of a logo&#10;&#10;Description automatically generated">
             <a:extLst>
               <a:ext uri="{FF2B5EF4-FFF2-40B4-BE49-F238E27FC236}">
-                <a16:creationId xmlns:a16="http://schemas.microsoft.com/office/drawing/2014/main" id="{32F5CBCA-0AB8-4B6A-8A03-C549C7F3AE39}"/>
+                <a16:creationId xmlns:a16="http://schemas.microsoft.com/office/drawing/2014/main" xmlns="" id="{32F5CBCA-0AB8-4B6A-8A03-C549C7F3AE39}"/>
               </a:ext>
             </a:extLst>
           </p:cNvPr>
@@ -931,7 +931,7 @@
           <p:cNvPr id="16" name="Picture 15" descr="A screenshot of a video game&#10;&#10;Description automatically generated">
             <a:extLst>
               <a:ext uri="{FF2B5EF4-FFF2-40B4-BE49-F238E27FC236}">
-                <a16:creationId xmlns:a16="http://schemas.microsoft.com/office/drawing/2014/main" id="{304A50E9-593B-484E-BBFD-7D99ADECD2FF}"/>
+                <a16:creationId xmlns:a16="http://schemas.microsoft.com/office/drawing/2014/main" xmlns="" id="{304A50E9-593B-484E-BBFD-7D99ADECD2FF}"/>
               </a:ext>
             </a:extLst>
           </p:cNvPr>
@@ -960,7 +960,7 @@
           <p:cNvPr id="18" name="TextBox 17">
             <a:extLst>
               <a:ext uri="{FF2B5EF4-FFF2-40B4-BE49-F238E27FC236}">
-                <a16:creationId xmlns:a16="http://schemas.microsoft.com/office/drawing/2014/main" id="{0E779F65-BFE6-4D96-B824-8575890A4185}"/>
+                <a16:creationId xmlns:a16="http://schemas.microsoft.com/office/drawing/2014/main" xmlns="" id="{0E779F65-BFE6-4D96-B824-8575890A4185}"/>
               </a:ext>
             </a:extLst>
           </p:cNvPr>
@@ -1069,7 +1069,7 @@
           <p:cNvPr id="34" name="Group 33">
             <a:extLst>
               <a:ext uri="{FF2B5EF4-FFF2-40B4-BE49-F238E27FC236}">
-                <a16:creationId xmlns:a16="http://schemas.microsoft.com/office/drawing/2014/main" id="{A54D68C4-3DFA-4D90-89DF-550D8FB0DB2C}"/>
+                <a16:creationId xmlns:a16="http://schemas.microsoft.com/office/drawing/2014/main" xmlns="" id="{A54D68C4-3DFA-4D90-89DF-550D8FB0DB2C}"/>
               </a:ext>
             </a:extLst>
           </p:cNvPr>
@@ -1089,7 +1089,7 @@
             <p:cNvPr id="21" name="Rectangle 20">
               <a:extLst>
                 <a:ext uri="{FF2B5EF4-FFF2-40B4-BE49-F238E27FC236}">
-                  <a16:creationId xmlns:a16="http://schemas.microsoft.com/office/drawing/2014/main" id="{5891C753-BAAB-4424-9E32-3F1432529749}"/>
+                  <a16:creationId xmlns:a16="http://schemas.microsoft.com/office/drawing/2014/main" xmlns="" id="{5891C753-BAAB-4424-9E32-3F1432529749}"/>
                 </a:ext>
               </a:extLst>
             </p:cNvPr>
@@ -1143,7 +1143,7 @@
             <p:cNvPr id="23" name="Rectangle 22">
               <a:extLst>
                 <a:ext uri="{FF2B5EF4-FFF2-40B4-BE49-F238E27FC236}">
-                  <a16:creationId xmlns:a16="http://schemas.microsoft.com/office/drawing/2014/main" id="{C86BC744-DC4B-4A55-B6FA-A711EC8ACF52}"/>
+                  <a16:creationId xmlns:a16="http://schemas.microsoft.com/office/drawing/2014/main" xmlns="" id="{C86BC744-DC4B-4A55-B6FA-A711EC8ACF52}"/>
                 </a:ext>
               </a:extLst>
             </p:cNvPr>
@@ -1197,7 +1197,7 @@
             <p:cNvPr id="25" name="Rectangle 24">
               <a:extLst>
                 <a:ext uri="{FF2B5EF4-FFF2-40B4-BE49-F238E27FC236}">
-                  <a16:creationId xmlns:a16="http://schemas.microsoft.com/office/drawing/2014/main" id="{70AA3319-80CC-4953-81CC-A4C7D5063739}"/>
+                  <a16:creationId xmlns:a16="http://schemas.microsoft.com/office/drawing/2014/main" xmlns="" id="{70AA3319-80CC-4953-81CC-A4C7D5063739}"/>
                 </a:ext>
               </a:extLst>
             </p:cNvPr>
@@ -1252,7 +1252,7 @@
           <p:cNvPr id="4" name="Graphic 3">
             <a:extLst>
               <a:ext uri="{FF2B5EF4-FFF2-40B4-BE49-F238E27FC236}">
-                <a16:creationId xmlns:a16="http://schemas.microsoft.com/office/drawing/2014/main" id="{9B169C9B-ABD9-49DB-8ECD-EBB51008CF4C}"/>
+                <a16:creationId xmlns:a16="http://schemas.microsoft.com/office/drawing/2014/main" xmlns="" id="{9B169C9B-ABD9-49DB-8ECD-EBB51008CF4C}"/>
               </a:ext>
             </a:extLst>
           </p:cNvPr>
@@ -1268,7 +1268,7 @@
                 <a14:useLocalDpi xmlns:a14="http://schemas.microsoft.com/office/drawing/2010/main" val="0"/>
               </a:ext>
               <a:ext uri="{96DAC541-7B7A-43D3-8B79-37D633B846F1}">
-                <asvg:svgBlip xmlns:asvg="http://schemas.microsoft.com/office/drawing/2016/SVG/main" r:embed="rId6"/>
+                <asvg:svgBlip xmlns:asvg="http://schemas.microsoft.com/office/drawing/2016/SVG/main" xmlns="" r:embed="rId6"/>
               </a:ext>
             </a:extLst>
           </a:blip>
@@ -1290,7 +1290,7 @@
           <p:cNvPr id="19" name="TextBox 18">
             <a:extLst>
               <a:ext uri="{FF2B5EF4-FFF2-40B4-BE49-F238E27FC236}">
-                <a16:creationId xmlns:a16="http://schemas.microsoft.com/office/drawing/2014/main" id="{0CE60C55-0B9A-415C-B973-238B00D9203B}"/>
+                <a16:creationId xmlns:a16="http://schemas.microsoft.com/office/drawing/2014/main" xmlns="" id="{0CE60C55-0B9A-415C-B973-238B00D9203B}"/>
               </a:ext>
             </a:extLst>
           </p:cNvPr>
@@ -1521,7 +1521,7 @@
           <p:cNvPr id="7" name="Group 6">
             <a:extLst>
               <a:ext uri="{FF2B5EF4-FFF2-40B4-BE49-F238E27FC236}">
-                <a16:creationId xmlns:a16="http://schemas.microsoft.com/office/drawing/2014/main" id="{39D65BC3-0390-487E-9343-57013C37910B}"/>
+                <a16:creationId xmlns:a16="http://schemas.microsoft.com/office/drawing/2014/main" xmlns="" id="{39D65BC3-0390-487E-9343-57013C37910B}"/>
               </a:ext>
             </a:extLst>
           </p:cNvPr>
@@ -1544,7 +1544,7 @@
             <p:cNvPr id="8" name="Rectangle 7">
               <a:extLst>
                 <a:ext uri="{FF2B5EF4-FFF2-40B4-BE49-F238E27FC236}">
-                  <a16:creationId xmlns:a16="http://schemas.microsoft.com/office/drawing/2014/main" id="{5F4361EC-AED8-4B86-B0D1-15361ACD5BB7}"/>
+                  <a16:creationId xmlns:a16="http://schemas.microsoft.com/office/drawing/2014/main" xmlns="" id="{5F4361EC-AED8-4B86-B0D1-15361ACD5BB7}"/>
                 </a:ext>
               </a:extLst>
             </p:cNvPr>
@@ -1596,7 +1596,7 @@
             <p:cNvPr id="9" name="Rectangle 8">
               <a:extLst>
                 <a:ext uri="{FF2B5EF4-FFF2-40B4-BE49-F238E27FC236}">
-                  <a16:creationId xmlns:a16="http://schemas.microsoft.com/office/drawing/2014/main" id="{5D7164C5-7F89-48EA-9906-0AF23BCC4882}"/>
+                  <a16:creationId xmlns:a16="http://schemas.microsoft.com/office/drawing/2014/main" xmlns="" id="{5D7164C5-7F89-48EA-9906-0AF23BCC4882}"/>
                 </a:ext>
               </a:extLst>
             </p:cNvPr>
@@ -1649,7 +1649,7 @@
           <p:cNvPr id="11" name="Picture 10" descr="A screenshot of a video game&#10;&#10;Description automatically generated">
             <a:extLst>
               <a:ext uri="{FF2B5EF4-FFF2-40B4-BE49-F238E27FC236}">
-                <a16:creationId xmlns:a16="http://schemas.microsoft.com/office/drawing/2014/main" id="{400D0D9E-702E-4495-B908-117D903BB1AA}"/>
+                <a16:creationId xmlns:a16="http://schemas.microsoft.com/office/drawing/2014/main" xmlns="" id="{400D0D9E-702E-4495-B908-117D903BB1AA}"/>
               </a:ext>
             </a:extLst>
           </p:cNvPr>
@@ -1678,7 +1678,7 @@
           <p:cNvPr id="16" name="Footer Placeholder 4">
             <a:extLst>
               <a:ext uri="{FF2B5EF4-FFF2-40B4-BE49-F238E27FC236}">
-                <a16:creationId xmlns:a16="http://schemas.microsoft.com/office/drawing/2014/main" id="{BE68E431-7FC2-47FC-A826-4B794B289F47}"/>
+                <a16:creationId xmlns:a16="http://schemas.microsoft.com/office/drawing/2014/main" xmlns="" id="{BE68E431-7FC2-47FC-A826-4B794B289F47}"/>
               </a:ext>
             </a:extLst>
           </p:cNvPr>
@@ -1720,7 +1720,7 @@
           <p:cNvPr id="18" name="Straight Connector 17">
             <a:extLst>
               <a:ext uri="{FF2B5EF4-FFF2-40B4-BE49-F238E27FC236}">
-                <a16:creationId xmlns:a16="http://schemas.microsoft.com/office/drawing/2014/main" id="{B9B4F37E-A6B4-4A59-A76A-E67F5B42B7AF}"/>
+                <a16:creationId xmlns:a16="http://schemas.microsoft.com/office/drawing/2014/main" xmlns="" id="{B9B4F37E-A6B4-4A59-A76A-E67F5B42B7AF}"/>
               </a:ext>
             </a:extLst>
           </p:cNvPr>
@@ -2022,7 +2022,7 @@
           <p:cNvPr id="10" name="Picture 9" descr="A screenshot of a video game&#10;&#10;Description automatically generated">
             <a:extLst>
               <a:ext uri="{FF2B5EF4-FFF2-40B4-BE49-F238E27FC236}">
-                <a16:creationId xmlns:a16="http://schemas.microsoft.com/office/drawing/2014/main" id="{25117F72-A25C-4562-B741-ED2B6BAAA2BC}"/>
+                <a16:creationId xmlns:a16="http://schemas.microsoft.com/office/drawing/2014/main" xmlns="" id="{25117F72-A25C-4562-B741-ED2B6BAAA2BC}"/>
               </a:ext>
             </a:extLst>
           </p:cNvPr>
@@ -2051,7 +2051,7 @@
           <p:cNvPr id="4" name="Group 3">
             <a:extLst>
               <a:ext uri="{FF2B5EF4-FFF2-40B4-BE49-F238E27FC236}">
-                <a16:creationId xmlns:a16="http://schemas.microsoft.com/office/drawing/2014/main" id="{33D72EFA-43C3-4986-8204-6D8755B204AF}"/>
+                <a16:creationId xmlns:a16="http://schemas.microsoft.com/office/drawing/2014/main" xmlns="" id="{33D72EFA-43C3-4986-8204-6D8755B204AF}"/>
               </a:ext>
             </a:extLst>
           </p:cNvPr>
@@ -2071,7 +2071,7 @@
             <p:cNvPr id="15" name="Rectangle 14">
               <a:extLst>
                 <a:ext uri="{FF2B5EF4-FFF2-40B4-BE49-F238E27FC236}">
-                  <a16:creationId xmlns:a16="http://schemas.microsoft.com/office/drawing/2014/main" id="{2CFBAC80-66D2-4E1E-B3CA-BAEBB8E4FB80}"/>
+                  <a16:creationId xmlns:a16="http://schemas.microsoft.com/office/drawing/2014/main" xmlns="" id="{2CFBAC80-66D2-4E1E-B3CA-BAEBB8E4FB80}"/>
                 </a:ext>
               </a:extLst>
             </p:cNvPr>
@@ -2125,7 +2125,7 @@
             <p:cNvPr id="16" name="Rectangle 15">
               <a:extLst>
                 <a:ext uri="{FF2B5EF4-FFF2-40B4-BE49-F238E27FC236}">
-                  <a16:creationId xmlns:a16="http://schemas.microsoft.com/office/drawing/2014/main" id="{A7912841-8D49-4A6E-A79D-84DDF6D39288}"/>
+                  <a16:creationId xmlns:a16="http://schemas.microsoft.com/office/drawing/2014/main" xmlns="" id="{A7912841-8D49-4A6E-A79D-84DDF6D39288}"/>
                 </a:ext>
               </a:extLst>
             </p:cNvPr>
@@ -2179,7 +2179,7 @@
             <p:cNvPr id="17" name="Rectangle 16">
               <a:extLst>
                 <a:ext uri="{FF2B5EF4-FFF2-40B4-BE49-F238E27FC236}">
-                  <a16:creationId xmlns:a16="http://schemas.microsoft.com/office/drawing/2014/main" id="{346B4486-4F05-4863-9050-63BBB7AAFF46}"/>
+                  <a16:creationId xmlns:a16="http://schemas.microsoft.com/office/drawing/2014/main" xmlns="" id="{346B4486-4F05-4863-9050-63BBB7AAFF46}"/>
                 </a:ext>
               </a:extLst>
             </p:cNvPr>
@@ -2234,7 +2234,7 @@
           <p:cNvPr id="24" name="Straight Connector 23">
             <a:extLst>
               <a:ext uri="{FF2B5EF4-FFF2-40B4-BE49-F238E27FC236}">
-                <a16:creationId xmlns:a16="http://schemas.microsoft.com/office/drawing/2014/main" id="{425EDF29-E7FA-42BB-A5D2-94CEEA4E580C}"/>
+                <a16:creationId xmlns:a16="http://schemas.microsoft.com/office/drawing/2014/main" xmlns="" id="{425EDF29-E7FA-42BB-A5D2-94CEEA4E580C}"/>
               </a:ext>
             </a:extLst>
           </p:cNvPr>
@@ -2456,7 +2456,7 @@
           <p:cNvPr id="10" name="Picture 9" descr="A screenshot of a video game&#10;&#10;Description automatically generated">
             <a:extLst>
               <a:ext uri="{FF2B5EF4-FFF2-40B4-BE49-F238E27FC236}">
-                <a16:creationId xmlns:a16="http://schemas.microsoft.com/office/drawing/2014/main" id="{25117F72-A25C-4562-B741-ED2B6BAAA2BC}"/>
+                <a16:creationId xmlns:a16="http://schemas.microsoft.com/office/drawing/2014/main" xmlns="" id="{25117F72-A25C-4562-B741-ED2B6BAAA2BC}"/>
               </a:ext>
             </a:extLst>
           </p:cNvPr>
@@ -2485,7 +2485,7 @@
           <p:cNvPr id="4" name="Group 3">
             <a:extLst>
               <a:ext uri="{FF2B5EF4-FFF2-40B4-BE49-F238E27FC236}">
-                <a16:creationId xmlns:a16="http://schemas.microsoft.com/office/drawing/2014/main" id="{33D72EFA-43C3-4986-8204-6D8755B204AF}"/>
+                <a16:creationId xmlns:a16="http://schemas.microsoft.com/office/drawing/2014/main" xmlns="" id="{33D72EFA-43C3-4986-8204-6D8755B204AF}"/>
               </a:ext>
             </a:extLst>
           </p:cNvPr>
@@ -2505,7 +2505,7 @@
             <p:cNvPr id="15" name="Rectangle 14">
               <a:extLst>
                 <a:ext uri="{FF2B5EF4-FFF2-40B4-BE49-F238E27FC236}">
-                  <a16:creationId xmlns:a16="http://schemas.microsoft.com/office/drawing/2014/main" id="{2CFBAC80-66D2-4E1E-B3CA-BAEBB8E4FB80}"/>
+                  <a16:creationId xmlns:a16="http://schemas.microsoft.com/office/drawing/2014/main" xmlns="" id="{2CFBAC80-66D2-4E1E-B3CA-BAEBB8E4FB80}"/>
                 </a:ext>
               </a:extLst>
             </p:cNvPr>
@@ -2559,7 +2559,7 @@
             <p:cNvPr id="16" name="Rectangle 15">
               <a:extLst>
                 <a:ext uri="{FF2B5EF4-FFF2-40B4-BE49-F238E27FC236}">
-                  <a16:creationId xmlns:a16="http://schemas.microsoft.com/office/drawing/2014/main" id="{A7912841-8D49-4A6E-A79D-84DDF6D39288}"/>
+                  <a16:creationId xmlns:a16="http://schemas.microsoft.com/office/drawing/2014/main" xmlns="" id="{A7912841-8D49-4A6E-A79D-84DDF6D39288}"/>
                 </a:ext>
               </a:extLst>
             </p:cNvPr>
@@ -2613,7 +2613,7 @@
             <p:cNvPr id="17" name="Rectangle 16">
               <a:extLst>
                 <a:ext uri="{FF2B5EF4-FFF2-40B4-BE49-F238E27FC236}">
-                  <a16:creationId xmlns:a16="http://schemas.microsoft.com/office/drawing/2014/main" id="{346B4486-4F05-4863-9050-63BBB7AAFF46}"/>
+                  <a16:creationId xmlns:a16="http://schemas.microsoft.com/office/drawing/2014/main" xmlns="" id="{346B4486-4F05-4863-9050-63BBB7AAFF46}"/>
                 </a:ext>
               </a:extLst>
             </p:cNvPr>
@@ -2668,7 +2668,7 @@
           <p:cNvPr id="24" name="Straight Connector 23">
             <a:extLst>
               <a:ext uri="{FF2B5EF4-FFF2-40B4-BE49-F238E27FC236}">
-                <a16:creationId xmlns:a16="http://schemas.microsoft.com/office/drawing/2014/main" id="{425EDF29-E7FA-42BB-A5D2-94CEEA4E580C}"/>
+                <a16:creationId xmlns:a16="http://schemas.microsoft.com/office/drawing/2014/main" xmlns="" id="{425EDF29-E7FA-42BB-A5D2-94CEEA4E580C}"/>
               </a:ext>
             </a:extLst>
           </p:cNvPr>
@@ -2733,7 +2733,7 @@
           <p:cNvPr id="12" name="Content Placeholder 2">
             <a:extLst>
               <a:ext uri="{FF2B5EF4-FFF2-40B4-BE49-F238E27FC236}">
-                <a16:creationId xmlns:a16="http://schemas.microsoft.com/office/drawing/2014/main" id="{D1050AD4-29D0-47EA-9708-82FD8FAF1BFE}"/>
+                <a16:creationId xmlns:a16="http://schemas.microsoft.com/office/drawing/2014/main" xmlns="" id="{D1050AD4-29D0-47EA-9708-82FD8FAF1BFE}"/>
               </a:ext>
             </a:extLst>
           </p:cNvPr>
@@ -2796,7 +2796,7 @@
           <p:cNvPr id="13" name="Content Placeholder 3">
             <a:extLst>
               <a:ext uri="{FF2B5EF4-FFF2-40B4-BE49-F238E27FC236}">
-                <a16:creationId xmlns:a16="http://schemas.microsoft.com/office/drawing/2014/main" id="{0C09F13D-5F40-4714-BA42-EFC264DE9677}"/>
+                <a16:creationId xmlns:a16="http://schemas.microsoft.com/office/drawing/2014/main" xmlns="" id="{0C09F13D-5F40-4714-BA42-EFC264DE9677}"/>
               </a:ext>
             </a:extLst>
           </p:cNvPr>
@@ -3016,7 +3016,7 @@
           <p:cNvPr id="10" name="Picture 9" descr="A screenshot of a video game&#10;&#10;Description automatically generated">
             <a:extLst>
               <a:ext uri="{FF2B5EF4-FFF2-40B4-BE49-F238E27FC236}">
-                <a16:creationId xmlns:a16="http://schemas.microsoft.com/office/drawing/2014/main" id="{25117F72-A25C-4562-B741-ED2B6BAAA2BC}"/>
+                <a16:creationId xmlns:a16="http://schemas.microsoft.com/office/drawing/2014/main" xmlns="" id="{25117F72-A25C-4562-B741-ED2B6BAAA2BC}"/>
               </a:ext>
             </a:extLst>
           </p:cNvPr>
@@ -3045,7 +3045,7 @@
           <p:cNvPr id="4" name="Group 3">
             <a:extLst>
               <a:ext uri="{FF2B5EF4-FFF2-40B4-BE49-F238E27FC236}">
-                <a16:creationId xmlns:a16="http://schemas.microsoft.com/office/drawing/2014/main" id="{33D72EFA-43C3-4986-8204-6D8755B204AF}"/>
+                <a16:creationId xmlns:a16="http://schemas.microsoft.com/office/drawing/2014/main" xmlns="" id="{33D72EFA-43C3-4986-8204-6D8755B204AF}"/>
               </a:ext>
             </a:extLst>
           </p:cNvPr>
@@ -3065,7 +3065,7 @@
             <p:cNvPr id="15" name="Rectangle 14">
               <a:extLst>
                 <a:ext uri="{FF2B5EF4-FFF2-40B4-BE49-F238E27FC236}">
-                  <a16:creationId xmlns:a16="http://schemas.microsoft.com/office/drawing/2014/main" id="{2CFBAC80-66D2-4E1E-B3CA-BAEBB8E4FB80}"/>
+                  <a16:creationId xmlns:a16="http://schemas.microsoft.com/office/drawing/2014/main" xmlns="" id="{2CFBAC80-66D2-4E1E-B3CA-BAEBB8E4FB80}"/>
                 </a:ext>
               </a:extLst>
             </p:cNvPr>
@@ -3119,7 +3119,7 @@
             <p:cNvPr id="16" name="Rectangle 15">
               <a:extLst>
                 <a:ext uri="{FF2B5EF4-FFF2-40B4-BE49-F238E27FC236}">
-                  <a16:creationId xmlns:a16="http://schemas.microsoft.com/office/drawing/2014/main" id="{A7912841-8D49-4A6E-A79D-84DDF6D39288}"/>
+                  <a16:creationId xmlns:a16="http://schemas.microsoft.com/office/drawing/2014/main" xmlns="" id="{A7912841-8D49-4A6E-A79D-84DDF6D39288}"/>
                 </a:ext>
               </a:extLst>
             </p:cNvPr>
@@ -3173,7 +3173,7 @@
             <p:cNvPr id="17" name="Rectangle 16">
               <a:extLst>
                 <a:ext uri="{FF2B5EF4-FFF2-40B4-BE49-F238E27FC236}">
-                  <a16:creationId xmlns:a16="http://schemas.microsoft.com/office/drawing/2014/main" id="{346B4486-4F05-4863-9050-63BBB7AAFF46}"/>
+                  <a16:creationId xmlns:a16="http://schemas.microsoft.com/office/drawing/2014/main" xmlns="" id="{346B4486-4F05-4863-9050-63BBB7AAFF46}"/>
                 </a:ext>
               </a:extLst>
             </p:cNvPr>
@@ -3228,7 +3228,7 @@
           <p:cNvPr id="24" name="Straight Connector 23">
             <a:extLst>
               <a:ext uri="{FF2B5EF4-FFF2-40B4-BE49-F238E27FC236}">
-                <a16:creationId xmlns:a16="http://schemas.microsoft.com/office/drawing/2014/main" id="{425EDF29-E7FA-42BB-A5D2-94CEEA4E580C}"/>
+                <a16:creationId xmlns:a16="http://schemas.microsoft.com/office/drawing/2014/main" xmlns="" id="{425EDF29-E7FA-42BB-A5D2-94CEEA4E580C}"/>
               </a:ext>
             </a:extLst>
           </p:cNvPr>
@@ -3416,7 +3416,7 @@
           <p:cNvPr id="10" name="Picture 9" descr="A screenshot of a video game&#10;&#10;Description automatically generated">
             <a:extLst>
               <a:ext uri="{FF2B5EF4-FFF2-40B4-BE49-F238E27FC236}">
-                <a16:creationId xmlns:a16="http://schemas.microsoft.com/office/drawing/2014/main" id="{25117F72-A25C-4562-B741-ED2B6BAAA2BC}"/>
+                <a16:creationId xmlns:a16="http://schemas.microsoft.com/office/drawing/2014/main" xmlns="" id="{25117F72-A25C-4562-B741-ED2B6BAAA2BC}"/>
               </a:ext>
             </a:extLst>
           </p:cNvPr>
@@ -3445,7 +3445,7 @@
           <p:cNvPr id="4" name="Group 3">
             <a:extLst>
               <a:ext uri="{FF2B5EF4-FFF2-40B4-BE49-F238E27FC236}">
-                <a16:creationId xmlns:a16="http://schemas.microsoft.com/office/drawing/2014/main" id="{33D72EFA-43C3-4986-8204-6D8755B204AF}"/>
+                <a16:creationId xmlns:a16="http://schemas.microsoft.com/office/drawing/2014/main" xmlns="" id="{33D72EFA-43C3-4986-8204-6D8755B204AF}"/>
               </a:ext>
             </a:extLst>
           </p:cNvPr>
@@ -3465,7 +3465,7 @@
             <p:cNvPr id="15" name="Rectangle 14">
               <a:extLst>
                 <a:ext uri="{FF2B5EF4-FFF2-40B4-BE49-F238E27FC236}">
-                  <a16:creationId xmlns:a16="http://schemas.microsoft.com/office/drawing/2014/main" id="{2CFBAC80-66D2-4E1E-B3CA-BAEBB8E4FB80}"/>
+                  <a16:creationId xmlns:a16="http://schemas.microsoft.com/office/drawing/2014/main" xmlns="" id="{2CFBAC80-66D2-4E1E-B3CA-BAEBB8E4FB80}"/>
                 </a:ext>
               </a:extLst>
             </p:cNvPr>
@@ -3519,7 +3519,7 @@
             <p:cNvPr id="16" name="Rectangle 15">
               <a:extLst>
                 <a:ext uri="{FF2B5EF4-FFF2-40B4-BE49-F238E27FC236}">
-                  <a16:creationId xmlns:a16="http://schemas.microsoft.com/office/drawing/2014/main" id="{A7912841-8D49-4A6E-A79D-84DDF6D39288}"/>
+                  <a16:creationId xmlns:a16="http://schemas.microsoft.com/office/drawing/2014/main" xmlns="" id="{A7912841-8D49-4A6E-A79D-84DDF6D39288}"/>
                 </a:ext>
               </a:extLst>
             </p:cNvPr>
@@ -3573,7 +3573,7 @@
             <p:cNvPr id="17" name="Rectangle 16">
               <a:extLst>
                 <a:ext uri="{FF2B5EF4-FFF2-40B4-BE49-F238E27FC236}">
-                  <a16:creationId xmlns:a16="http://schemas.microsoft.com/office/drawing/2014/main" id="{346B4486-4F05-4863-9050-63BBB7AAFF46}"/>
+                  <a16:creationId xmlns:a16="http://schemas.microsoft.com/office/drawing/2014/main" xmlns="" id="{346B4486-4F05-4863-9050-63BBB7AAFF46}"/>
                 </a:ext>
               </a:extLst>
             </p:cNvPr>
@@ -4035,7 +4035,7 @@
           <a:p>
             <a:fld id="{E46E8F5E-7C26-4DBA-9CDF-6E3092DFB447}" type="datetime1">
               <a:rPr lang="hr-HR" smtClean="0"/>
-              <a:t>12.1.2023.</a:t>
+              <a:t>12.01.2023.</a:t>
             </a:fld>
             <a:endParaRPr lang="hr-HR"/>
           </a:p>
@@ -4261,7 +4261,7 @@
           <a:p>
             <a:fld id="{E46E8F5E-7C26-4DBA-9CDF-6E3092DFB447}" type="datetime1">
               <a:rPr lang="hr-HR" smtClean="0"/>
-              <a:t>12.1.2023.</a:t>
+              <a:t>12.01.2023.</a:t>
             </a:fld>
             <a:endParaRPr lang="hr-HR"/>
           </a:p>
@@ -4766,7 +4766,7 @@
         <p:spPr/>
         <p:txBody>
           <a:bodyPr>
-            <a:normAutofit/>
+            <a:normAutofit fontScale="90000"/>
           </a:bodyPr>
           <a:lstStyle/>
           <a:p>
@@ -4776,31 +4776,19 @@
               </a:lnSpc>
             </a:pPr>
             <a:r>
-              <a:rPr lang="hr-HR" dirty="0"/>
-              <a:t>&lt;</a:t>
-            </a:r>
-            <a:r>
-              <a:rPr lang="en-GB" dirty="0" err="1"/>
+              <a:rPr lang="en-GB" dirty="0" err="1" smtClean="0"/>
               <a:t>Sinappsa</a:t>
             </a:r>
             <a:r>
-              <a:rPr lang="hr-HR" dirty="0"/>
-              <a:t>&gt;</a:t>
+              <a:rPr lang="en-US" dirty="0"/>
+              <a:t/>
             </a:r>
             <a:br>
               <a:rPr lang="en-US" dirty="0"/>
             </a:br>
             <a:r>
-              <a:rPr lang="hr-HR" sz="4400" dirty="0"/>
-              <a:t>&lt;</a:t>
-            </a:r>
-            <a:r>
-              <a:rPr lang="en-GB" sz="4400" dirty="0" err="1"/>
+              <a:rPr lang="en-GB" sz="4400" dirty="0" err="1" smtClean="0"/>
               <a:t>TurbulentTech</a:t>
-            </a:r>
-            <a:r>
-              <a:rPr lang="hr-HR" sz="4400" dirty="0"/>
-              <a:t>&gt;</a:t>
             </a:r>
             <a:endParaRPr lang="hr-HR" dirty="0"/>
           </a:p>
@@ -4841,7 +4829,7 @@
           <p:cNvPr id="2" name="Title 1">
             <a:extLst>
               <a:ext uri="{FF2B5EF4-FFF2-40B4-BE49-F238E27FC236}">
-                <a16:creationId xmlns:a16="http://schemas.microsoft.com/office/drawing/2014/main" id="{1941D3E5-93B8-C3A1-2FAF-26CED749ACA5}"/>
+                <a16:creationId xmlns:a16="http://schemas.microsoft.com/office/drawing/2014/main" xmlns="" id="{1941D3E5-93B8-C3A1-2FAF-26CED749ACA5}"/>
               </a:ext>
             </a:extLst>
           </p:cNvPr>
@@ -4870,7 +4858,7 @@
           <p:cNvPr id="3" name="Content Placeholder 2">
             <a:extLst>
               <a:ext uri="{FF2B5EF4-FFF2-40B4-BE49-F238E27FC236}">
-                <a16:creationId xmlns:a16="http://schemas.microsoft.com/office/drawing/2014/main" id="{D52BDE9E-FE69-2AF1-DDC7-6FFC1F9A2F85}"/>
+                <a16:creationId xmlns:a16="http://schemas.microsoft.com/office/drawing/2014/main" xmlns="" id="{D52BDE9E-FE69-2AF1-DDC7-6FFC1F9A2F85}"/>
               </a:ext>
             </a:extLst>
           </p:cNvPr>
@@ -4923,7 +4911,7 @@
           <p:cNvPr id="4" name="Slide Number Placeholder 3">
             <a:extLst>
               <a:ext uri="{FF2B5EF4-FFF2-40B4-BE49-F238E27FC236}">
-                <a16:creationId xmlns:a16="http://schemas.microsoft.com/office/drawing/2014/main" id="{0A647873-D499-53AF-0337-D1C95062A382}"/>
+                <a16:creationId xmlns:a16="http://schemas.microsoft.com/office/drawing/2014/main" xmlns="" id="{0A647873-D499-53AF-0337-D1C95062A382}"/>
               </a:ext>
             </a:extLst>
           </p:cNvPr>
@@ -5085,7 +5073,7 @@
           <p:cNvPr id="2" name="Title 1">
             <a:extLst>
               <a:ext uri="{FF2B5EF4-FFF2-40B4-BE49-F238E27FC236}">
-                <a16:creationId xmlns:a16="http://schemas.microsoft.com/office/drawing/2014/main" id="{0A1F1CDA-E4B6-16BC-3DE4-8A1DF7DE9020}"/>
+                <a16:creationId xmlns:a16="http://schemas.microsoft.com/office/drawing/2014/main" xmlns="" id="{0A1F1CDA-E4B6-16BC-3DE4-8A1DF7DE9020}"/>
               </a:ext>
             </a:extLst>
           </p:cNvPr>
@@ -5114,7 +5102,7 @@
           <p:cNvPr id="3" name="Content Placeholder 2">
             <a:extLst>
               <a:ext uri="{FF2B5EF4-FFF2-40B4-BE49-F238E27FC236}">
-                <a16:creationId xmlns:a16="http://schemas.microsoft.com/office/drawing/2014/main" id="{252ECE92-6FAA-BFC3-D935-7424F06AE842}"/>
+                <a16:creationId xmlns:a16="http://schemas.microsoft.com/office/drawing/2014/main" xmlns="" id="{252ECE92-6FAA-BFC3-D935-7424F06AE842}"/>
               </a:ext>
             </a:extLst>
           </p:cNvPr>
@@ -5186,6 +5174,10 @@
               </a:rPr>
               <a:t>:</a:t>
             </a:r>
+            <a:r>
+              <a:rPr lang="en-GB" dirty="0"/>
+              <a:t/>
+            </a:r>
             <a:br>
               <a:rPr lang="en-GB" dirty="0"/>
             </a:br>
@@ -5214,6 +5206,10 @@
               </a:rPr>
               <a:t>aplikacija</a:t>
             </a:r>
+            <a:r>
+              <a:rPr lang="en-GB" dirty="0"/>
+              <a:t/>
+            </a:r>
             <a:br>
               <a:rPr lang="en-GB" dirty="0"/>
             </a:br>
@@ -5254,6 +5250,10 @@
                 <a:latin typeface="Arial" panose="020B0604020202020204" pitchFamily="34" charset="0"/>
               </a:rPr>
               <a:t>itelj</a:t>
+            </a:r>
+            <a:r>
+              <a:rPr lang="en-GB" dirty="0"/>
+              <a:t/>
             </a:r>
             <a:br>
               <a:rPr lang="en-GB" dirty="0"/>
@@ -5384,7 +5384,7 @@
           <p:cNvPr id="4" name="Slide Number Placeholder 3">
             <a:extLst>
               <a:ext uri="{FF2B5EF4-FFF2-40B4-BE49-F238E27FC236}">
-                <a16:creationId xmlns:a16="http://schemas.microsoft.com/office/drawing/2014/main" id="{D289742B-6D7D-1487-ED58-B6F143909E95}"/>
+                <a16:creationId xmlns:a16="http://schemas.microsoft.com/office/drawing/2014/main" xmlns="" id="{D289742B-6D7D-1487-ED58-B6F143909E95}"/>
               </a:ext>
             </a:extLst>
           </p:cNvPr>
@@ -5443,7 +5443,7 @@
           <p:cNvPr id="2" name="Title 1">
             <a:extLst>
               <a:ext uri="{FF2B5EF4-FFF2-40B4-BE49-F238E27FC236}">
-                <a16:creationId xmlns:a16="http://schemas.microsoft.com/office/drawing/2014/main" id="{57734AC1-F2D7-8EBE-D3C3-9945A717303A}"/>
+                <a16:creationId xmlns:a16="http://schemas.microsoft.com/office/drawing/2014/main" xmlns="" id="{57734AC1-F2D7-8EBE-D3C3-9945A717303A}"/>
               </a:ext>
             </a:extLst>
           </p:cNvPr>
@@ -5479,7 +5479,7 @@
           <p:cNvPr id="3" name="Content Placeholder 2">
             <a:extLst>
               <a:ext uri="{FF2B5EF4-FFF2-40B4-BE49-F238E27FC236}">
-                <a16:creationId xmlns:a16="http://schemas.microsoft.com/office/drawing/2014/main" id="{B94EC2F7-33BB-9590-EB79-4E4C64C66806}"/>
+                <a16:creationId xmlns:a16="http://schemas.microsoft.com/office/drawing/2014/main" xmlns="" id="{B94EC2F7-33BB-9590-EB79-4E4C64C66806}"/>
               </a:ext>
             </a:extLst>
           </p:cNvPr>
@@ -5516,7 +5516,7 @@
           <p:cNvPr id="4" name="Slide Number Placeholder 3">
             <a:extLst>
               <a:ext uri="{FF2B5EF4-FFF2-40B4-BE49-F238E27FC236}">
-                <a16:creationId xmlns:a16="http://schemas.microsoft.com/office/drawing/2014/main" id="{19B254C7-964D-7C53-3695-66FA48791C73}"/>
+                <a16:creationId xmlns:a16="http://schemas.microsoft.com/office/drawing/2014/main" xmlns="" id="{19B254C7-964D-7C53-3695-66FA48791C73}"/>
               </a:ext>
             </a:extLst>
           </p:cNvPr>
@@ -5545,7 +5545,7 @@
           <p:cNvPr id="7" name="Picture 6" descr="Diagram&#10;&#10;Description automatically generated">
             <a:extLst>
               <a:ext uri="{FF2B5EF4-FFF2-40B4-BE49-F238E27FC236}">
-                <a16:creationId xmlns:a16="http://schemas.microsoft.com/office/drawing/2014/main" id="{73770927-12E2-43F5-608D-7B80F21A2E4F}"/>
+                <a16:creationId xmlns:a16="http://schemas.microsoft.com/office/drawing/2014/main" xmlns="" id="{73770927-12E2-43F5-608D-7B80F21A2E4F}"/>
               </a:ext>
             </a:extLst>
           </p:cNvPr>
@@ -5611,7 +5611,7 @@
           <p:cNvPr id="2" name="Title 1">
             <a:extLst>
               <a:ext uri="{FF2B5EF4-FFF2-40B4-BE49-F238E27FC236}">
-                <a16:creationId xmlns:a16="http://schemas.microsoft.com/office/drawing/2014/main" id="{97EC4A9E-B252-1DE1-588F-72F07FD141C6}"/>
+                <a16:creationId xmlns:a16="http://schemas.microsoft.com/office/drawing/2014/main" xmlns="" id="{97EC4A9E-B252-1DE1-588F-72F07FD141C6}"/>
               </a:ext>
             </a:extLst>
           </p:cNvPr>
@@ -5640,7 +5640,7 @@
           <p:cNvPr id="3" name="Content Placeholder 2">
             <a:extLst>
               <a:ext uri="{FF2B5EF4-FFF2-40B4-BE49-F238E27FC236}">
-                <a16:creationId xmlns:a16="http://schemas.microsoft.com/office/drawing/2014/main" id="{7660E68A-77AD-BA49-0F3A-0ACB20A71F96}"/>
+                <a16:creationId xmlns:a16="http://schemas.microsoft.com/office/drawing/2014/main" xmlns="" id="{7660E68A-77AD-BA49-0F3A-0ACB20A71F96}"/>
               </a:ext>
             </a:extLst>
           </p:cNvPr>
@@ -5677,7 +5677,7 @@
           <p:cNvPr id="4" name="Slide Number Placeholder 3">
             <a:extLst>
               <a:ext uri="{FF2B5EF4-FFF2-40B4-BE49-F238E27FC236}">
-                <a16:creationId xmlns:a16="http://schemas.microsoft.com/office/drawing/2014/main" id="{7FD2785F-9D65-4669-A77B-33A4B0EB1C2B}"/>
+                <a16:creationId xmlns:a16="http://schemas.microsoft.com/office/drawing/2014/main" xmlns="" id="{7FD2785F-9D65-4669-A77B-33A4B0EB1C2B}"/>
               </a:ext>
             </a:extLst>
           </p:cNvPr>
@@ -5706,7 +5706,7 @@
           <p:cNvPr id="6" name="Picture 5" descr="Diagram&#10;&#10;Description automatically generated">
             <a:extLst>
               <a:ext uri="{FF2B5EF4-FFF2-40B4-BE49-F238E27FC236}">
-                <a16:creationId xmlns:a16="http://schemas.microsoft.com/office/drawing/2014/main" id="{C36C05E3-F86E-E684-9838-64A04BC94F07}"/>
+                <a16:creationId xmlns:a16="http://schemas.microsoft.com/office/drawing/2014/main" xmlns="" id="{C36C05E3-F86E-E684-9838-64A04BC94F07}"/>
               </a:ext>
             </a:extLst>
           </p:cNvPr>
@@ -5772,7 +5772,7 @@
           <p:cNvPr id="2" name="Title 1">
             <a:extLst>
               <a:ext uri="{FF2B5EF4-FFF2-40B4-BE49-F238E27FC236}">
-                <a16:creationId xmlns:a16="http://schemas.microsoft.com/office/drawing/2014/main" id="{FBC467BD-DD32-9A6A-01BC-27EE448C7F7D}"/>
+                <a16:creationId xmlns:a16="http://schemas.microsoft.com/office/drawing/2014/main" xmlns="" id="{FBC467BD-DD32-9A6A-01BC-27EE448C7F7D}"/>
               </a:ext>
             </a:extLst>
           </p:cNvPr>
@@ -5801,7 +5801,7 @@
           <p:cNvPr id="3" name="Content Placeholder 2">
             <a:extLst>
               <a:ext uri="{FF2B5EF4-FFF2-40B4-BE49-F238E27FC236}">
-                <a16:creationId xmlns:a16="http://schemas.microsoft.com/office/drawing/2014/main" id="{AD057A8A-23DF-C056-2540-6A9858692A80}"/>
+                <a16:creationId xmlns:a16="http://schemas.microsoft.com/office/drawing/2014/main" xmlns="" id="{AD057A8A-23DF-C056-2540-6A9858692A80}"/>
               </a:ext>
             </a:extLst>
           </p:cNvPr>
@@ -5844,7 +5844,7 @@
           <p:cNvPr id="4" name="Slide Number Placeholder 3">
             <a:extLst>
               <a:ext uri="{FF2B5EF4-FFF2-40B4-BE49-F238E27FC236}">
-                <a16:creationId xmlns:a16="http://schemas.microsoft.com/office/drawing/2014/main" id="{2457AD1D-0CC2-20C9-139C-0DEC34020DEE}"/>
+                <a16:creationId xmlns:a16="http://schemas.microsoft.com/office/drawing/2014/main" xmlns="" id="{2457AD1D-0CC2-20C9-139C-0DEC34020DEE}"/>
               </a:ext>
             </a:extLst>
           </p:cNvPr>
@@ -5873,7 +5873,7 @@
           <p:cNvPr id="6" name="Picture 5" descr="Diagram, schematic&#10;&#10;Description automatically generated">
             <a:extLst>
               <a:ext uri="{FF2B5EF4-FFF2-40B4-BE49-F238E27FC236}">
-                <a16:creationId xmlns:a16="http://schemas.microsoft.com/office/drawing/2014/main" id="{6ACC3563-676C-FABD-EF00-9A5058422999}"/>
+                <a16:creationId xmlns:a16="http://schemas.microsoft.com/office/drawing/2014/main" xmlns="" id="{6ACC3563-676C-FABD-EF00-9A5058422999}"/>
               </a:ext>
             </a:extLst>
           </p:cNvPr>
@@ -5939,7 +5939,7 @@
           <p:cNvPr id="2" name="Title 1">
             <a:extLst>
               <a:ext uri="{FF2B5EF4-FFF2-40B4-BE49-F238E27FC236}">
-                <a16:creationId xmlns:a16="http://schemas.microsoft.com/office/drawing/2014/main" id="{538260B7-3A0D-AAA1-1CD3-E36E266F3CAB}"/>
+                <a16:creationId xmlns:a16="http://schemas.microsoft.com/office/drawing/2014/main" xmlns="" id="{538260B7-3A0D-AAA1-1CD3-E36E266F3CAB}"/>
               </a:ext>
             </a:extLst>
           </p:cNvPr>
@@ -5968,7 +5968,7 @@
           <p:cNvPr id="3" name="Content Placeholder 2">
             <a:extLst>
               <a:ext uri="{FF2B5EF4-FFF2-40B4-BE49-F238E27FC236}">
-                <a16:creationId xmlns:a16="http://schemas.microsoft.com/office/drawing/2014/main" id="{A18B8E40-2607-2169-E6E3-61C9E56B2803}"/>
+                <a16:creationId xmlns:a16="http://schemas.microsoft.com/office/drawing/2014/main" xmlns="" id="{A18B8E40-2607-2169-E6E3-61C9E56B2803}"/>
               </a:ext>
             </a:extLst>
           </p:cNvPr>
@@ -6013,7 +6013,7 @@
           <p:cNvPr id="4" name="Slide Number Placeholder 3">
             <a:extLst>
               <a:ext uri="{FF2B5EF4-FFF2-40B4-BE49-F238E27FC236}">
-                <a16:creationId xmlns:a16="http://schemas.microsoft.com/office/drawing/2014/main" id="{6D98C0B2-E8FB-E2D9-F349-74465ECC02B3}"/>
+                <a16:creationId xmlns:a16="http://schemas.microsoft.com/office/drawing/2014/main" xmlns="" id="{6D98C0B2-E8FB-E2D9-F349-74465ECC02B3}"/>
               </a:ext>
             </a:extLst>
           </p:cNvPr>
@@ -6042,7 +6042,7 @@
           <p:cNvPr id="6" name="Picture 5" descr="A screenshot of a computer&#10;&#10;Description automatically generated with medium confidence">
             <a:extLst>
               <a:ext uri="{FF2B5EF4-FFF2-40B4-BE49-F238E27FC236}">
-                <a16:creationId xmlns:a16="http://schemas.microsoft.com/office/drawing/2014/main" id="{0E50B700-681A-D2E5-7BC8-143E51207632}"/>
+                <a16:creationId xmlns:a16="http://schemas.microsoft.com/office/drawing/2014/main" xmlns="" id="{0E50B700-681A-D2E5-7BC8-143E51207632}"/>
               </a:ext>
             </a:extLst>
           </p:cNvPr>
@@ -6108,7 +6108,7 @@
           <p:cNvPr id="2" name="Title 1">
             <a:extLst>
               <a:ext uri="{FF2B5EF4-FFF2-40B4-BE49-F238E27FC236}">
-                <a16:creationId xmlns:a16="http://schemas.microsoft.com/office/drawing/2014/main" id="{20538D88-A781-F16A-97E3-D1719119AF42}"/>
+                <a16:creationId xmlns:a16="http://schemas.microsoft.com/office/drawing/2014/main" xmlns="" id="{20538D88-A781-F16A-97E3-D1719119AF42}"/>
               </a:ext>
             </a:extLst>
           </p:cNvPr>
@@ -6137,7 +6137,7 @@
           <p:cNvPr id="3" name="Content Placeholder 2">
             <a:extLst>
               <a:ext uri="{FF2B5EF4-FFF2-40B4-BE49-F238E27FC236}">
-                <a16:creationId xmlns:a16="http://schemas.microsoft.com/office/drawing/2014/main" id="{CDC0BE73-C3E1-05FD-0B12-1C0A3FC8C66A}"/>
+                <a16:creationId xmlns:a16="http://schemas.microsoft.com/office/drawing/2014/main" xmlns="" id="{CDC0BE73-C3E1-05FD-0B12-1C0A3FC8C66A}"/>
               </a:ext>
             </a:extLst>
           </p:cNvPr>
@@ -6209,7 +6209,7 @@
               <a:t> </a:t>
             </a:r>
             <a:r>
-              <a:rPr lang="en-GB" dirty="0" err="1"/>
+              <a:rPr lang="en-GB" dirty="0" err="1" smtClean="0"/>
               <a:t>Đomlija</a:t>
             </a:r>
             <a:endParaRPr lang="en-GB" dirty="0"/>
@@ -6217,8 +6217,12 @@
           <a:p>
             <a:pPr lvl="1"/>
             <a:r>
-              <a:rPr lang="en-GB" dirty="0"/>
-              <a:t>Frontend: Fran </a:t>
+              <a:rPr lang="en-GB" dirty="0" smtClean="0"/>
+              <a:t>Frontend</a:t>
+            </a:r>
+            <a:r>
+              <a:rPr lang="en-GB" dirty="0"/>
+              <a:t>: Fran </a:t>
             </a:r>
             <a:r>
               <a:rPr lang="en-GB" dirty="0" err="1"/>
@@ -6282,7 +6286,15 @@
             </a:r>
             <a:r>
               <a:rPr lang="en-GB" dirty="0"/>
-              <a:t>, Maksim Kos David </a:t>
+              <a:t>, Maksim </a:t>
+            </a:r>
+            <a:r>
+              <a:rPr lang="en-GB" dirty="0" smtClean="0"/>
+              <a:t>Kos, </a:t>
+            </a:r>
+            <a:r>
+              <a:rPr lang="en-GB" dirty="0"/>
+              <a:t>David </a:t>
             </a:r>
             <a:r>
               <a:rPr lang="en-GB" dirty="0" err="1"/>
@@ -6304,7 +6316,7 @@
           <p:cNvPr id="4" name="Slide Number Placeholder 3">
             <a:extLst>
               <a:ext uri="{FF2B5EF4-FFF2-40B4-BE49-F238E27FC236}">
-                <a16:creationId xmlns:a16="http://schemas.microsoft.com/office/drawing/2014/main" id="{A8FB72F8-B2AB-D933-932C-51625AC063AE}"/>
+                <a16:creationId xmlns:a16="http://schemas.microsoft.com/office/drawing/2014/main" xmlns="" id="{A8FB72F8-B2AB-D933-932C-51625AC063AE}"/>
               </a:ext>
             </a:extLst>
           </p:cNvPr>
@@ -6363,7 +6375,7 @@
           <p:cNvPr id="2" name="Title 1">
             <a:extLst>
               <a:ext uri="{FF2B5EF4-FFF2-40B4-BE49-F238E27FC236}">
-                <a16:creationId xmlns:a16="http://schemas.microsoft.com/office/drawing/2014/main" id="{DCB0C96B-F4D6-CD56-A98A-922B122FD93B}"/>
+                <a16:creationId xmlns:a16="http://schemas.microsoft.com/office/drawing/2014/main" xmlns="" id="{DCB0C96B-F4D6-CD56-A98A-922B122FD93B}"/>
               </a:ext>
             </a:extLst>
           </p:cNvPr>
@@ -6400,7 +6412,7 @@
           <p:cNvPr id="3" name="Content Placeholder 2">
             <a:extLst>
               <a:ext uri="{FF2B5EF4-FFF2-40B4-BE49-F238E27FC236}">
-                <a16:creationId xmlns:a16="http://schemas.microsoft.com/office/drawing/2014/main" id="{790168FA-7FF0-499B-D503-14D2E57DD005}"/>
+                <a16:creationId xmlns:a16="http://schemas.microsoft.com/office/drawing/2014/main" xmlns="" id="{790168FA-7FF0-499B-D503-14D2E57DD005}"/>
               </a:ext>
             </a:extLst>
           </p:cNvPr>
@@ -6597,7 +6609,7 @@
           <p:cNvPr id="4" name="Slide Number Placeholder 3">
             <a:extLst>
               <a:ext uri="{FF2B5EF4-FFF2-40B4-BE49-F238E27FC236}">
-                <a16:creationId xmlns:a16="http://schemas.microsoft.com/office/drawing/2014/main" id="{27CA2971-B672-0A26-A0B2-08F09AE23BC3}"/>
+                <a16:creationId xmlns:a16="http://schemas.microsoft.com/office/drawing/2014/main" xmlns="" id="{27CA2971-B672-0A26-A0B2-08F09AE23BC3}"/>
               </a:ext>
             </a:extLst>
           </p:cNvPr>
@@ -6656,7 +6668,7 @@
           <p:cNvPr id="2" name="Title 1">
             <a:extLst>
               <a:ext uri="{FF2B5EF4-FFF2-40B4-BE49-F238E27FC236}">
-                <a16:creationId xmlns:a16="http://schemas.microsoft.com/office/drawing/2014/main" id="{C6112F3D-09A6-4D36-3222-213ED1BDA979}"/>
+                <a16:creationId xmlns:a16="http://schemas.microsoft.com/office/drawing/2014/main" xmlns="" id="{C6112F3D-09A6-4D36-3222-213ED1BDA979}"/>
               </a:ext>
             </a:extLst>
           </p:cNvPr>
@@ -6693,7 +6705,7 @@
           <p:cNvPr id="3" name="Content Placeholder 2">
             <a:extLst>
               <a:ext uri="{FF2B5EF4-FFF2-40B4-BE49-F238E27FC236}">
-                <a16:creationId xmlns:a16="http://schemas.microsoft.com/office/drawing/2014/main" id="{C33210E3-5021-32D8-E5FB-EAA97F8DC715}"/>
+                <a16:creationId xmlns:a16="http://schemas.microsoft.com/office/drawing/2014/main" xmlns="" id="{C33210E3-5021-32D8-E5FB-EAA97F8DC715}"/>
               </a:ext>
             </a:extLst>
           </p:cNvPr>
@@ -6771,7 +6783,7 @@
           <p:cNvPr id="4" name="Slide Number Placeholder 3">
             <a:extLst>
               <a:ext uri="{FF2B5EF4-FFF2-40B4-BE49-F238E27FC236}">
-                <a16:creationId xmlns:a16="http://schemas.microsoft.com/office/drawing/2014/main" id="{9710DA76-9BFD-0A19-38E4-F5C3AF91BD24}"/>
+                <a16:creationId xmlns:a16="http://schemas.microsoft.com/office/drawing/2014/main" xmlns="" id="{9710DA76-9BFD-0A19-38E4-F5C3AF91BD24}"/>
               </a:ext>
             </a:extLst>
           </p:cNvPr>
@@ -6957,7 +6969,7 @@
           <p:cNvPr id="2" name="Title 1">
             <a:extLst>
               <a:ext uri="{FF2B5EF4-FFF2-40B4-BE49-F238E27FC236}">
-                <a16:creationId xmlns:a16="http://schemas.microsoft.com/office/drawing/2014/main" id="{DC1556C3-D3C7-D288-710E-068C7785D76B}"/>
+                <a16:creationId xmlns:a16="http://schemas.microsoft.com/office/drawing/2014/main" xmlns="" id="{DC1556C3-D3C7-D288-710E-068C7785D76B}"/>
               </a:ext>
             </a:extLst>
           </p:cNvPr>
@@ -6989,7 +7001,7 @@
           <p:cNvPr id="3" name="Content Placeholder 2">
             <a:extLst>
               <a:ext uri="{FF2B5EF4-FFF2-40B4-BE49-F238E27FC236}">
-                <a16:creationId xmlns:a16="http://schemas.microsoft.com/office/drawing/2014/main" id="{D868E637-5B61-4B65-F1B5-29C03DD2E2A9}"/>
+                <a16:creationId xmlns:a16="http://schemas.microsoft.com/office/drawing/2014/main" xmlns="" id="{D868E637-5B61-4B65-F1B5-29C03DD2E2A9}"/>
               </a:ext>
             </a:extLst>
           </p:cNvPr>
@@ -7173,7 +7185,7 @@
           <p:cNvPr id="4" name="Slide Number Placeholder 3">
             <a:extLst>
               <a:ext uri="{FF2B5EF4-FFF2-40B4-BE49-F238E27FC236}">
-                <a16:creationId xmlns:a16="http://schemas.microsoft.com/office/drawing/2014/main" id="{B14FA5A9-BD79-5B2D-BB1F-A05F324420F9}"/>
+                <a16:creationId xmlns:a16="http://schemas.microsoft.com/office/drawing/2014/main" xmlns="" id="{B14FA5A9-BD79-5B2D-BB1F-A05F324420F9}"/>
               </a:ext>
             </a:extLst>
           </p:cNvPr>
@@ -7232,7 +7244,7 @@
           <p:cNvPr id="2" name="Title 1">
             <a:extLst>
               <a:ext uri="{FF2B5EF4-FFF2-40B4-BE49-F238E27FC236}">
-                <a16:creationId xmlns:a16="http://schemas.microsoft.com/office/drawing/2014/main" id="{8D059E1A-281A-E4B7-8BC8-19FE5FB8F479}"/>
+                <a16:creationId xmlns:a16="http://schemas.microsoft.com/office/drawing/2014/main" xmlns="" id="{8D059E1A-281A-E4B7-8BC8-19FE5FB8F479}"/>
               </a:ext>
             </a:extLst>
           </p:cNvPr>
@@ -7261,7 +7273,7 @@
           <p:cNvPr id="3" name="Content Placeholder 2">
             <a:extLst>
               <a:ext uri="{FF2B5EF4-FFF2-40B4-BE49-F238E27FC236}">
-                <a16:creationId xmlns:a16="http://schemas.microsoft.com/office/drawing/2014/main" id="{2627462A-F69A-CCAE-8B69-D27BE3532AC7}"/>
+                <a16:creationId xmlns:a16="http://schemas.microsoft.com/office/drawing/2014/main" xmlns="" id="{2627462A-F69A-CCAE-8B69-D27BE3532AC7}"/>
               </a:ext>
             </a:extLst>
           </p:cNvPr>
@@ -7278,11 +7290,11 @@
           <a:lstStyle/>
           <a:p>
             <a:r>
-              <a:rPr lang="en-GB" b="1" dirty="0" err="1"/>
-              <a:t>Osnonva</a:t>
-            </a:r>
-            <a:r>
-              <a:rPr lang="en-GB" b="1" dirty="0"/>
+              <a:rPr lang="en-GB" b="1" dirty="0" err="1" smtClean="0"/>
+              <a:t>Osnovna</a:t>
+            </a:r>
+            <a:r>
+              <a:rPr lang="en-GB" b="1" dirty="0" smtClean="0"/>
               <a:t> </a:t>
             </a:r>
             <a:r>
@@ -7479,7 +7491,7 @@
           <p:cNvPr id="4" name="Slide Number Placeholder 3">
             <a:extLst>
               <a:ext uri="{FF2B5EF4-FFF2-40B4-BE49-F238E27FC236}">
-                <a16:creationId xmlns:a16="http://schemas.microsoft.com/office/drawing/2014/main" id="{65C1AC41-C00D-19F9-D73C-FAA74210B5CC}"/>
+                <a16:creationId xmlns:a16="http://schemas.microsoft.com/office/drawing/2014/main" xmlns="" id="{65C1AC41-C00D-19F9-D73C-FAA74210B5CC}"/>
               </a:ext>
             </a:extLst>
           </p:cNvPr>
@@ -7513,9 +7525,9 @@
   <p:clrMapOvr>
     <a:masterClrMapping/>
   </p:clrMapOvr>
-  <p:extLst>
+  <p:extLst mod="1">
     <p:ext uri="{6950BFC3-D8DA-4A85-94F7-54DA5524770B}">
-      <p188:commentRel xmlns:p188="http://schemas.microsoft.com/office/powerpoint/2018/8/main" r:id="rId2"/>
+      <p188:commentRel xmlns:p188="http://schemas.microsoft.com/office/powerpoint/2018/8/main" xmlns="" r:id="rId2"/>
     </p:ext>
   </p:extLst>
 </p:sld>
@@ -7543,7 +7555,7 @@
           <p:cNvPr id="2" name="Title 1">
             <a:extLst>
               <a:ext uri="{FF2B5EF4-FFF2-40B4-BE49-F238E27FC236}">
-                <a16:creationId xmlns:a16="http://schemas.microsoft.com/office/drawing/2014/main" id="{8F82CB2E-8303-62F3-6203-1C9FE5C2325F}"/>
+                <a16:creationId xmlns:a16="http://schemas.microsoft.com/office/drawing/2014/main" xmlns="" id="{8F82CB2E-8303-62F3-6203-1C9FE5C2325F}"/>
               </a:ext>
             </a:extLst>
           </p:cNvPr>
@@ -7572,7 +7584,7 @@
           <p:cNvPr id="3" name="Content Placeholder 2">
             <a:extLst>
               <a:ext uri="{FF2B5EF4-FFF2-40B4-BE49-F238E27FC236}">
-                <a16:creationId xmlns:a16="http://schemas.microsoft.com/office/drawing/2014/main" id="{C7848318-173D-4FD2-CD67-1A236DA3A7B8}"/>
+                <a16:creationId xmlns:a16="http://schemas.microsoft.com/office/drawing/2014/main" xmlns="" id="{C7848318-173D-4FD2-CD67-1A236DA3A7B8}"/>
               </a:ext>
             </a:extLst>
           </p:cNvPr>
@@ -7746,7 +7758,7 @@
           <p:cNvPr id="4" name="Slide Number Placeholder 3">
             <a:extLst>
               <a:ext uri="{FF2B5EF4-FFF2-40B4-BE49-F238E27FC236}">
-                <a16:creationId xmlns:a16="http://schemas.microsoft.com/office/drawing/2014/main" id="{A1D11BFD-75DD-984B-C07F-2C1F3218C495}"/>
+                <a16:creationId xmlns:a16="http://schemas.microsoft.com/office/drawing/2014/main" xmlns="" id="{A1D11BFD-75DD-984B-C07F-2C1F3218C495}"/>
               </a:ext>
             </a:extLst>
           </p:cNvPr>
@@ -7782,7 +7794,7 @@
   </p:clrMapOvr>
   <p:extLst>
     <p:ext uri="{6950BFC3-D8DA-4A85-94F7-54DA5524770B}">
-      <p188:commentRel xmlns:p188="http://schemas.microsoft.com/office/powerpoint/2018/8/main" r:id="rId2"/>
+      <p188:commentRel xmlns:p188="http://schemas.microsoft.com/office/powerpoint/2018/8/main" xmlns="" r:id="rId2"/>
     </p:ext>
   </p:extLst>
 </p:sld>
@@ -7810,7 +7822,7 @@
           <p:cNvPr id="2" name="Title 1">
             <a:extLst>
               <a:ext uri="{FF2B5EF4-FFF2-40B4-BE49-F238E27FC236}">
-                <a16:creationId xmlns:a16="http://schemas.microsoft.com/office/drawing/2014/main" id="{366C4CBB-74D8-2BB2-1565-E16C34F0A1A9}"/>
+                <a16:creationId xmlns:a16="http://schemas.microsoft.com/office/drawing/2014/main" xmlns="" id="{366C4CBB-74D8-2BB2-1565-E16C34F0A1A9}"/>
               </a:ext>
             </a:extLst>
           </p:cNvPr>
@@ -7847,7 +7859,7 @@
           <p:cNvPr id="3" name="Content Placeholder 2">
             <a:extLst>
               <a:ext uri="{FF2B5EF4-FFF2-40B4-BE49-F238E27FC236}">
-                <a16:creationId xmlns:a16="http://schemas.microsoft.com/office/drawing/2014/main" id="{0F944B5A-ED3C-D227-EA46-3F88380ADE48}"/>
+                <a16:creationId xmlns:a16="http://schemas.microsoft.com/office/drawing/2014/main" xmlns="" id="{0F944B5A-ED3C-D227-EA46-3F88380ADE48}"/>
               </a:ext>
             </a:extLst>
           </p:cNvPr>
@@ -7881,7 +7893,7 @@
           <p:cNvPr id="4" name="Slide Number Placeholder 3">
             <a:extLst>
               <a:ext uri="{FF2B5EF4-FFF2-40B4-BE49-F238E27FC236}">
-                <a16:creationId xmlns:a16="http://schemas.microsoft.com/office/drawing/2014/main" id="{0A742B9B-BA74-9237-BCCD-BDA200FD158B}"/>
+                <a16:creationId xmlns:a16="http://schemas.microsoft.com/office/drawing/2014/main" xmlns="" id="{0A742B9B-BA74-9237-BCCD-BDA200FD158B}"/>
               </a:ext>
             </a:extLst>
           </p:cNvPr>
@@ -7910,7 +7922,7 @@
           <p:cNvPr id="6" name="Picture 5" descr="Graphical user interface, text, application, Teams&#10;&#10;Description automatically generated">
             <a:extLst>
               <a:ext uri="{FF2B5EF4-FFF2-40B4-BE49-F238E27FC236}">
-                <a16:creationId xmlns:a16="http://schemas.microsoft.com/office/drawing/2014/main" id="{397EA654-B43E-878F-69E2-1C8C1DE7C1C6}"/>
+                <a16:creationId xmlns:a16="http://schemas.microsoft.com/office/drawing/2014/main" xmlns="" id="{397EA654-B43E-878F-69E2-1C8C1DE7C1C6}"/>
               </a:ext>
             </a:extLst>
           </p:cNvPr>
@@ -7920,7 +7932,7 @@
           <p:nvPr/>
         </p:nvPicPr>
         <p:blipFill>
-          <a:blip r:embed="rId3" cstate="print">
+          <a:blip r:embed="rId2" cstate="print">
             <a:extLst>
               <a:ext uri="{28A0092B-C50C-407E-A947-70E740481C1C}">
                 <a14:useLocalDpi xmlns:a14="http://schemas.microsoft.com/office/drawing/2010/main" val="0"/>
@@ -7953,7 +7965,7 @@
   </p:clrMapOvr>
   <p:extLst>
     <p:ext uri="{6950BFC3-D8DA-4A85-94F7-54DA5524770B}">
-      <p188:commentRel xmlns:p188="http://schemas.microsoft.com/office/powerpoint/2018/8/main" r:id="rId2"/>
+      <p188:commentRel xmlns:p188="http://schemas.microsoft.com/office/powerpoint/2018/8/main" xmlns="" r:id="rId3"/>
     </p:ext>
   </p:extLst>
 </p:sld>
@@ -7981,7 +7993,7 @@
           <p:cNvPr id="2" name="Title 1">
             <a:extLst>
               <a:ext uri="{FF2B5EF4-FFF2-40B4-BE49-F238E27FC236}">
-                <a16:creationId xmlns:a16="http://schemas.microsoft.com/office/drawing/2014/main" id="{33CDB5FB-16CB-3703-3FF8-B09A5602233E}"/>
+                <a16:creationId xmlns:a16="http://schemas.microsoft.com/office/drawing/2014/main" xmlns="" id="{33CDB5FB-16CB-3703-3FF8-B09A5602233E}"/>
               </a:ext>
             </a:extLst>
           </p:cNvPr>
@@ -8018,7 +8030,7 @@
           <p:cNvPr id="3" name="Content Placeholder 2">
             <a:extLst>
               <a:ext uri="{FF2B5EF4-FFF2-40B4-BE49-F238E27FC236}">
-                <a16:creationId xmlns:a16="http://schemas.microsoft.com/office/drawing/2014/main" id="{18B38309-A846-85AF-F83D-D9C3739C4266}"/>
+                <a16:creationId xmlns:a16="http://schemas.microsoft.com/office/drawing/2014/main" xmlns="" id="{18B38309-A846-85AF-F83D-D9C3739C4266}"/>
               </a:ext>
             </a:extLst>
           </p:cNvPr>
@@ -8052,7 +8064,7 @@
           <p:cNvPr id="4" name="Slide Number Placeholder 3">
             <a:extLst>
               <a:ext uri="{FF2B5EF4-FFF2-40B4-BE49-F238E27FC236}">
-                <a16:creationId xmlns:a16="http://schemas.microsoft.com/office/drawing/2014/main" id="{35E24DCF-A1B6-CA14-603F-12832BD0B1D0}"/>
+                <a16:creationId xmlns:a16="http://schemas.microsoft.com/office/drawing/2014/main" xmlns="" id="{35E24DCF-A1B6-CA14-603F-12832BD0B1D0}"/>
               </a:ext>
             </a:extLst>
           </p:cNvPr>
@@ -8081,7 +8093,7 @@
           <p:cNvPr id="6" name="Picture 5" descr="Graphical user interface, website&#10;&#10;Description automatically generated">
             <a:extLst>
               <a:ext uri="{FF2B5EF4-FFF2-40B4-BE49-F238E27FC236}">
-                <a16:creationId xmlns:a16="http://schemas.microsoft.com/office/drawing/2014/main" id="{2BBED275-0936-BFD7-F2B8-84D348D7310C}"/>
+                <a16:creationId xmlns:a16="http://schemas.microsoft.com/office/drawing/2014/main" xmlns="" id="{2BBED275-0936-BFD7-F2B8-84D348D7310C}"/>
               </a:ext>
             </a:extLst>
           </p:cNvPr>
@@ -8091,7 +8103,7 @@
           <p:nvPr/>
         </p:nvPicPr>
         <p:blipFill>
-          <a:blip r:embed="rId3">
+          <a:blip r:embed="rId2">
             <a:extLst>
               <a:ext uri="{28A0092B-C50C-407E-A947-70E740481C1C}">
                 <a14:useLocalDpi xmlns:a14="http://schemas.microsoft.com/office/drawing/2010/main" val="0"/>
@@ -8124,7 +8136,7 @@
   </p:clrMapOvr>
   <p:extLst>
     <p:ext uri="{6950BFC3-D8DA-4A85-94F7-54DA5524770B}">
-      <p188:commentRel xmlns:p188="http://schemas.microsoft.com/office/powerpoint/2018/8/main" r:id="rId2"/>
+      <p188:commentRel xmlns:p188="http://schemas.microsoft.com/office/powerpoint/2018/8/main" xmlns="" r:id="rId3"/>
     </p:ext>
   </p:extLst>
 </p:sld>
@@ -8152,7 +8164,7 @@
           <p:cNvPr id="2" name="Title 1">
             <a:extLst>
               <a:ext uri="{FF2B5EF4-FFF2-40B4-BE49-F238E27FC236}">
-                <a16:creationId xmlns:a16="http://schemas.microsoft.com/office/drawing/2014/main" id="{E29AAA6A-905F-6472-DBEA-0F8427B63F5B}"/>
+                <a16:creationId xmlns:a16="http://schemas.microsoft.com/office/drawing/2014/main" xmlns="" id="{E29AAA6A-905F-6472-DBEA-0F8427B63F5B}"/>
               </a:ext>
             </a:extLst>
           </p:cNvPr>
@@ -8197,7 +8209,7 @@
           <p:cNvPr id="3" name="Content Placeholder 2">
             <a:extLst>
               <a:ext uri="{FF2B5EF4-FFF2-40B4-BE49-F238E27FC236}">
-                <a16:creationId xmlns:a16="http://schemas.microsoft.com/office/drawing/2014/main" id="{C07BC434-1ADA-178A-92C0-8D4B09F35BAB}"/>
+                <a16:creationId xmlns:a16="http://schemas.microsoft.com/office/drawing/2014/main" xmlns="" id="{C07BC434-1ADA-178A-92C0-8D4B09F35BAB}"/>
               </a:ext>
             </a:extLst>
           </p:cNvPr>
@@ -8479,7 +8491,7 @@
           <p:cNvPr id="4" name="Slide Number Placeholder 3">
             <a:extLst>
               <a:ext uri="{FF2B5EF4-FFF2-40B4-BE49-F238E27FC236}">
-                <a16:creationId xmlns:a16="http://schemas.microsoft.com/office/drawing/2014/main" id="{3FCC71E0-B1C5-63CE-DAA5-780A1507CFD7}"/>
+                <a16:creationId xmlns:a16="http://schemas.microsoft.com/office/drawing/2014/main" xmlns="" id="{3FCC71E0-B1C5-63CE-DAA5-780A1507CFD7}"/>
               </a:ext>
             </a:extLst>
           </p:cNvPr>
@@ -8538,7 +8550,7 @@
           <p:cNvPr id="2" name="Title 1">
             <a:extLst>
               <a:ext uri="{FF2B5EF4-FFF2-40B4-BE49-F238E27FC236}">
-                <a16:creationId xmlns:a16="http://schemas.microsoft.com/office/drawing/2014/main" id="{E08D2364-090C-D41D-B13D-A7293B14D621}"/>
+                <a16:creationId xmlns:a16="http://schemas.microsoft.com/office/drawing/2014/main" xmlns="" id="{E08D2364-090C-D41D-B13D-A7293B14D621}"/>
               </a:ext>
             </a:extLst>
           </p:cNvPr>
@@ -8605,6 +8617,10 @@
               <a:rPr lang="en-GB" dirty="0" err="1"/>
               <a:t>primjene</a:t>
             </a:r>
+            <a:r>
+              <a:rPr lang="en-GB" dirty="0"/>
+              <a:t/>
+            </a:r>
             <a:br>
               <a:rPr lang="en-GB" dirty="0"/>
             </a:br>
@@ -8617,7 +8633,7 @@
           <p:cNvPr id="3" name="Content Placeholder 2">
             <a:extLst>
               <a:ext uri="{FF2B5EF4-FFF2-40B4-BE49-F238E27FC236}">
-                <a16:creationId xmlns:a16="http://schemas.microsoft.com/office/drawing/2014/main" id="{ED53A728-FF3C-E140-CA59-A83818289214}"/>
+                <a16:creationId xmlns:a16="http://schemas.microsoft.com/office/drawing/2014/main" xmlns="" id="{ED53A728-FF3C-E140-CA59-A83818289214}"/>
               </a:ext>
             </a:extLst>
           </p:cNvPr>
@@ -8938,7 +8954,7 @@
           <p:cNvPr id="4" name="Slide Number Placeholder 3">
             <a:extLst>
               <a:ext uri="{FF2B5EF4-FFF2-40B4-BE49-F238E27FC236}">
-                <a16:creationId xmlns:a16="http://schemas.microsoft.com/office/drawing/2014/main" id="{3541E9CE-F12D-8220-6706-606D33AF1FF2}"/>
+                <a16:creationId xmlns:a16="http://schemas.microsoft.com/office/drawing/2014/main" xmlns="" id="{3541E9CE-F12D-8220-6706-606D33AF1FF2}"/>
               </a:ext>
             </a:extLst>
           </p:cNvPr>
@@ -8974,7 +8990,7 @@
   </p:clrMapOvr>
   <p:extLst>
     <p:ext uri="{6950BFC3-D8DA-4A85-94F7-54DA5524770B}">
-      <p188:commentRel xmlns:p188="http://schemas.microsoft.com/office/powerpoint/2018/8/main" r:id="rId2"/>
+      <p188:commentRel xmlns:p188="http://schemas.microsoft.com/office/powerpoint/2018/8/main" xmlns="" r:id="rId2"/>
     </p:ext>
   </p:extLst>
 </p:sld>
@@ -9002,7 +9018,7 @@
           <p:cNvPr id="2" name="Title 1">
             <a:extLst>
               <a:ext uri="{FF2B5EF4-FFF2-40B4-BE49-F238E27FC236}">
-                <a16:creationId xmlns:a16="http://schemas.microsoft.com/office/drawing/2014/main" id="{AE56C293-9D05-CC84-B9E7-ED80EF447364}"/>
+                <a16:creationId xmlns:a16="http://schemas.microsoft.com/office/drawing/2014/main" xmlns="" id="{AE56C293-9D05-CC84-B9E7-ED80EF447364}"/>
               </a:ext>
             </a:extLst>
           </p:cNvPr>
@@ -9031,7 +9047,7 @@
           <p:cNvPr id="3" name="Content Placeholder 2">
             <a:extLst>
               <a:ext uri="{FF2B5EF4-FFF2-40B4-BE49-F238E27FC236}">
-                <a16:creationId xmlns:a16="http://schemas.microsoft.com/office/drawing/2014/main" id="{1D2C1103-05C3-D0F0-CE17-AA4DAE78AF32}"/>
+                <a16:creationId xmlns:a16="http://schemas.microsoft.com/office/drawing/2014/main" xmlns="" id="{1D2C1103-05C3-D0F0-CE17-AA4DAE78AF32}"/>
               </a:ext>
             </a:extLst>
           </p:cNvPr>
@@ -9422,7 +9438,7 @@
           <p:cNvPr id="4" name="Slide Number Placeholder 3">
             <a:extLst>
               <a:ext uri="{FF2B5EF4-FFF2-40B4-BE49-F238E27FC236}">
-                <a16:creationId xmlns:a16="http://schemas.microsoft.com/office/drawing/2014/main" id="{D1255FCD-201A-07BA-1EEF-0D8A459EB0D6}"/>
+                <a16:creationId xmlns:a16="http://schemas.microsoft.com/office/drawing/2014/main" xmlns="" id="{D1255FCD-201A-07BA-1EEF-0D8A459EB0D6}"/>
               </a:ext>
             </a:extLst>
           </p:cNvPr>
